--- a/Milestone 3.pptx
+++ b/Milestone 3.pptx
@@ -3974,17 +3974,7 @@
                 <a:latin typeface="Times New Roman"/>
                 <a:ea typeface="Calibri"/>
               </a:rPr>
-              <a:t>Amazo</a:t>
-            </a:r>
-            <a:r>
-              <a:rPr lang="en-US" altLang="zh-CN" sz="2400" b="1" dirty="0" smtClean="0">
-                <a:solidFill>
-                  <a:srgbClr val="FFFFFF"/>
-                </a:solidFill>
-                <a:latin typeface="Times New Roman"/>
-                <a:ea typeface="Calibri"/>
-              </a:rPr>
-              <a:t>n</a:t>
+              <a:t>Amazon</a:t>
             </a:r>
             <a:r>
               <a:rPr lang="zh-CN" altLang="en-US" sz="2400" b="1" dirty="0" smtClean="0">
@@ -5043,17 +5033,7 @@
                 <a:latin typeface="Times New Roman"/>
                 <a:ea typeface="Calibri"/>
               </a:rPr>
-              <a:t>	</a:t>
-            </a:r>
-            <a:r>
-              <a:rPr lang="en-US" sz="2400" b="1" dirty="0" smtClean="0">
-                <a:solidFill>
-                  <a:srgbClr val="FFFFFF"/>
-                </a:solidFill>
-                <a:latin typeface="Times New Roman"/>
-                <a:ea typeface="Calibri"/>
-              </a:rPr>
-              <a:t>Investigate distribution of weights for </a:t>
+              <a:t>	Investigate distribution of weights for </a:t>
             </a:r>
             <a:r>
               <a:rPr lang="en-US" sz="2400" b="1" dirty="0" err="1" smtClean="0">
@@ -5090,17 +5070,7 @@
                 <a:latin typeface="Times New Roman"/>
                 <a:ea typeface="Calibri"/>
               </a:rPr>
-              <a:t>	</a:t>
-            </a:r>
-            <a:r>
-              <a:rPr lang="en-US" sz="2400" b="1" dirty="0" smtClean="0">
-                <a:solidFill>
-                  <a:srgbClr val="FFFFFF"/>
-                </a:solidFill>
-                <a:latin typeface="Times New Roman"/>
-                <a:ea typeface="Calibri"/>
-              </a:rPr>
-              <a:t>Possibly update our sampling strategy </a:t>
+              <a:t>	Possibly update our sampling strategy </a:t>
             </a:r>
             <a:endParaRPr dirty="0" smtClean="0"/>
           </a:p>
@@ -5297,7 +5267,7 @@
         </p:nvSpPr>
         <p:spPr>
           <a:xfrm>
-            <a:off x="428760" y="642960"/>
+            <a:off x="428760" y="1021239"/>
             <a:ext cx="8229240" cy="4525560"/>
           </a:xfrm>
           <a:prstGeom prst="rect">
@@ -5313,7 +5283,7 @@
                 <a:spcPct val="100000"/>
               </a:lnSpc>
             </a:pPr>
-            <a:endParaRPr/>
+            <a:endParaRPr dirty="0"/>
           </a:p>
           <a:p>
             <a:pPr algn="ctr">
@@ -5322,7 +5292,7 @@
               </a:lnSpc>
             </a:pPr>
             <a:r>
-              <a:rPr lang="en-US" sz="9600">
+              <a:rPr lang="en-US" sz="9600" dirty="0">
                 <a:solidFill>
                   <a:srgbClr val="FFFFFF"/>
                 </a:solidFill>
@@ -5331,7 +5301,7 @@
               </a:rPr>
               <a:t>Thanks!</a:t>
             </a:r>
-            <a:endParaRPr/>
+            <a:endParaRPr dirty="0"/>
           </a:p>
         </p:txBody>
       </p:sp>
